--- a/Yummly Capstone Project Presentation -Final.pptx
+++ b/Yummly Capstone Project Presentation -Final.pptx
@@ -19413,7 +19413,7 @@
             <a:pPr lvl="0"/>
             <a:r>
               <a:rPr lang="en-US" sz="2400" dirty="0"/>
-              <a:t>Interestingly, model using PCA is less accurate than model using all ingredients</a:t>
+              <a:t>Interestingly, model using PCA is less accurate than other models</a:t>
             </a:r>
           </a:p>
           <a:p>
@@ -21160,7 +21160,7 @@
           <p:nvPr>
             <p:extLst>
               <p:ext uri="{D42A27DB-BD31-4B8C-83A1-F6EECF244321}">
-                <p14:modId xmlns:p14="http://schemas.microsoft.com/office/powerpoint/2010/main" val="1273854915"/>
+                <p14:modId xmlns:p14="http://schemas.microsoft.com/office/powerpoint/2010/main" val="605512366"/>
               </p:ext>
             </p:extLst>
           </p:nvPr>
@@ -21386,7 +21386,7 @@
                         <a:rPr lang="en-US" sz="2000" dirty="0">
                           <a:effectLst/>
                         </a:rPr>
-                        <a:t>40.96%</a:t>
+                        <a:t>42.09%</a:t>
                       </a:r>
                       <a:endParaRPr lang="en-US" sz="2000" dirty="0">
                         <a:effectLst/>
@@ -21592,7 +21592,7 @@
                         <a:rPr lang="en-US" sz="2000" dirty="0">
                           <a:effectLst/>
                         </a:rPr>
-                        <a:t>41.09%</a:t>
+                        <a:t>40.09%</a:t>
                       </a:r>
                       <a:endParaRPr lang="en-US" sz="2000" dirty="0">
                         <a:effectLst/>
